--- a/Presentations/2018-01-NYC/Opening-70-535-Certification-JumpStart-Q&A.pptx
+++ b/Presentations/2018-01-NYC/Opening-70-535-Certification-JumpStart-Q&A.pptx
@@ -179,6 +179,10 @@
 </p:presentation>
 </file>
 
+<file path=ppt/revisionInfo.xml><?xml version="1.0" encoding="utf-8"?>
+<p1510:revInfo xmlns:a="http://schemas.openxmlformats.org/drawingml/2006/main" xmlns:r="http://schemas.openxmlformats.org/officeDocument/2006/relationships" xmlns:p1510="http://schemas.microsoft.com/office/powerpoint/2015/10/main"/>
+</file>
+
 <file path=ppt/notesMasters/notesMaster1.xml><?xml version="1.0" encoding="utf-8"?>
 <p:notesMaster xmlns:a="http://schemas.openxmlformats.org/drawingml/2006/main" xmlns:r="http://schemas.openxmlformats.org/officeDocument/2006/relationships" xmlns:p="http://schemas.openxmlformats.org/presentationml/2006/main">
   <p:cSld>
@@ -261,7 +265,7 @@
           <a:p>
             <a:fld id="{17A87663-80B2-406A-AEA6-02F380A944CC}" type="datetimeFigureOut">
               <a:rPr lang="en-US" smtClean="0"/>
-              <a:t>10/19/2017</a:t>
+              <a:t>1/8/2018</a:t>
             </a:fld>
             <a:endParaRPr lang="en-US"/>
           </a:p>
@@ -2443,7 +2447,7 @@
                 <a:tabLst/>
                 <a:defRPr/>
               </a:pPr>
-              <a:t>10/19/2017</a:t>
+              <a:t>1/8/2018</a:t>
             </a:fld>
             <a:endParaRPr kumimoji="0" lang="en-US" sz="1200" b="0" i="0" u="none" strike="noStrike" kern="1200" cap="none" spc="0" normalizeH="0" baseline="0" noProof="0" dirty="0">
               <a:ln>
@@ -3021,7 +3025,7 @@
           <a:p>
             <a:fld id="{C093B9F9-3668-4248-BC3B-A7F41B8EEB64}" type="datetimeFigureOut">
               <a:rPr lang="en-US" smtClean="0"/>
-              <a:t>10/19/2017</a:t>
+              <a:t>1/8/2018</a:t>
             </a:fld>
             <a:endParaRPr lang="en-US"/>
           </a:p>
@@ -3189,7 +3193,7 @@
           <a:p>
             <a:fld id="{C093B9F9-3668-4248-BC3B-A7F41B8EEB64}" type="datetimeFigureOut">
               <a:rPr lang="en-US" smtClean="0"/>
-              <a:t>10/19/2017</a:t>
+              <a:t>1/8/2018</a:t>
             </a:fld>
             <a:endParaRPr lang="en-US"/>
           </a:p>
@@ -3367,7 +3371,7 @@
           <a:p>
             <a:fld id="{C093B9F9-3668-4248-BC3B-A7F41B8EEB64}" type="datetimeFigureOut">
               <a:rPr lang="en-US" smtClean="0"/>
-              <a:t>10/19/2017</a:t>
+              <a:t>1/8/2018</a:t>
             </a:fld>
             <a:endParaRPr lang="en-US"/>
           </a:p>
@@ -5736,7 +5740,7 @@
           <a:p>
             <a:fld id="{C093B9F9-3668-4248-BC3B-A7F41B8EEB64}" type="datetimeFigureOut">
               <a:rPr lang="en-US" smtClean="0"/>
-              <a:t>10/19/2017</a:t>
+              <a:t>1/8/2018</a:t>
             </a:fld>
             <a:endParaRPr lang="en-US"/>
           </a:p>
@@ -5904,7 +5908,7 @@
           <a:p>
             <a:fld id="{C093B9F9-3668-4248-BC3B-A7F41B8EEB64}" type="datetimeFigureOut">
               <a:rPr lang="en-US" smtClean="0"/>
-              <a:t>10/19/2017</a:t>
+              <a:t>1/8/2018</a:t>
             </a:fld>
             <a:endParaRPr lang="en-US"/>
           </a:p>
@@ -6149,7 +6153,7 @@
           <a:p>
             <a:fld id="{C093B9F9-3668-4248-BC3B-A7F41B8EEB64}" type="datetimeFigureOut">
               <a:rPr lang="en-US" smtClean="0"/>
-              <a:t>10/19/2017</a:t>
+              <a:t>1/8/2018</a:t>
             </a:fld>
             <a:endParaRPr lang="en-US"/>
           </a:p>
@@ -6378,7 +6382,7 @@
           <a:p>
             <a:fld id="{C093B9F9-3668-4248-BC3B-A7F41B8EEB64}" type="datetimeFigureOut">
               <a:rPr lang="en-US" smtClean="0"/>
-              <a:t>10/19/2017</a:t>
+              <a:t>1/8/2018</a:t>
             </a:fld>
             <a:endParaRPr lang="en-US"/>
           </a:p>
@@ -6742,7 +6746,7 @@
           <a:p>
             <a:fld id="{C093B9F9-3668-4248-BC3B-A7F41B8EEB64}" type="datetimeFigureOut">
               <a:rPr lang="en-US" smtClean="0"/>
-              <a:t>10/19/2017</a:t>
+              <a:t>1/8/2018</a:t>
             </a:fld>
             <a:endParaRPr lang="en-US"/>
           </a:p>
@@ -6859,7 +6863,7 @@
           <a:p>
             <a:fld id="{C093B9F9-3668-4248-BC3B-A7F41B8EEB64}" type="datetimeFigureOut">
               <a:rPr lang="en-US" smtClean="0"/>
-              <a:t>10/19/2017</a:t>
+              <a:t>1/8/2018</a:t>
             </a:fld>
             <a:endParaRPr lang="en-US"/>
           </a:p>
@@ -6954,7 +6958,7 @@
           <a:p>
             <a:fld id="{C093B9F9-3668-4248-BC3B-A7F41B8EEB64}" type="datetimeFigureOut">
               <a:rPr lang="en-US" smtClean="0"/>
-              <a:t>10/19/2017</a:t>
+              <a:t>1/8/2018</a:t>
             </a:fld>
             <a:endParaRPr lang="en-US"/>
           </a:p>
@@ -7229,7 +7233,7 @@
           <a:p>
             <a:fld id="{C093B9F9-3668-4248-BC3B-A7F41B8EEB64}" type="datetimeFigureOut">
               <a:rPr lang="en-US" smtClean="0"/>
-              <a:t>10/19/2017</a:t>
+              <a:t>1/8/2018</a:t>
             </a:fld>
             <a:endParaRPr lang="en-US"/>
           </a:p>
@@ -7481,7 +7485,7 @@
           <a:p>
             <a:fld id="{C093B9F9-3668-4248-BC3B-A7F41B8EEB64}" type="datetimeFigureOut">
               <a:rPr lang="en-US" smtClean="0"/>
-              <a:t>10/19/2017</a:t>
+              <a:t>1/8/2018</a:t>
             </a:fld>
             <a:endParaRPr lang="en-US"/>
           </a:p>
@@ -7692,7 +7696,7 @@
           <a:p>
             <a:fld id="{C093B9F9-3668-4248-BC3B-A7F41B8EEB64}" type="datetimeFigureOut">
               <a:rPr lang="en-US" smtClean="0"/>
-              <a:t>10/19/2017</a:t>
+              <a:t>1/8/2018</a:t>
             </a:fld>
             <a:endParaRPr lang="en-US"/>
           </a:p>
@@ -8281,7 +8285,7 @@
                 <a:tabLst/>
                 <a:defRPr/>
               </a:pPr>
-              <a:t>10/19/2017</a:t>
+              <a:t>1/8/2018</a:t>
             </a:fld>
             <a:endParaRPr kumimoji="0" lang="en-US" sz="1200" b="0" i="0" u="none" strike="noStrike" kern="1200" cap="none" spc="0" normalizeH="0" baseline="0" noProof="0" dirty="0">
               <a:ln>
@@ -8990,7 +8994,7 @@
             </a:br>
             <a:r>
               <a:rPr lang="en-US" sz="2400" dirty="0"/>
-              <a:t>70-534 Architecting Microsoft Azure Solutions</a:t>
+              <a:t>70-535 Architecting Microsoft Azure Solutions</a:t>
             </a:r>
             <a:endParaRPr lang="en-US" sz="4000" dirty="0"/>
           </a:p>
@@ -9096,7 +9100,7 @@
         </p:nvGraphicFramePr>
         <p:xfrm>
           <a:off x="342329" y="3351476"/>
-          <a:ext cx="7894900" cy="2435901"/>
+          <a:ext cx="7894900" cy="2486383"/>
         </p:xfrm>
         <a:graphic>
           <a:graphicData uri="http://schemas.openxmlformats.org/drawingml/2006/table">
@@ -15084,7 +15088,7 @@
             </a:br>
             <a:r>
               <a:rPr lang="en-US" dirty="0"/>
-              <a:t>#70-534   @ITProGuru</a:t>
+              <a:t>#70-535   @ITProGuru</a:t>
             </a:r>
           </a:p>
         </p:txBody>

--- a/Presentations/2018-01-NYC/Opening-70-535-Certification-JumpStart-Q&A.pptx
+++ b/Presentations/2018-01-NYC/Opening-70-535-Certification-JumpStart-Q&A.pptx
@@ -265,7 +265,7 @@
           <a:p>
             <a:fld id="{17A87663-80B2-406A-AEA6-02F380A944CC}" type="datetimeFigureOut">
               <a:rPr lang="en-US" smtClean="0"/>
-              <a:t>1/8/2018</a:t>
+              <a:t>1/15/2018</a:t>
             </a:fld>
             <a:endParaRPr lang="en-US"/>
           </a:p>
@@ -2447,7 +2447,7 @@
                 <a:tabLst/>
                 <a:defRPr/>
               </a:pPr>
-              <a:t>1/8/2018</a:t>
+              <a:t>1/15/2018</a:t>
             </a:fld>
             <a:endParaRPr kumimoji="0" lang="en-US" sz="1200" b="0" i="0" u="none" strike="noStrike" kern="1200" cap="none" spc="0" normalizeH="0" baseline="0" noProof="0" dirty="0">
               <a:ln>
@@ -3025,7 +3025,7 @@
           <a:p>
             <a:fld id="{C093B9F9-3668-4248-BC3B-A7F41B8EEB64}" type="datetimeFigureOut">
               <a:rPr lang="en-US" smtClean="0"/>
-              <a:t>1/8/2018</a:t>
+              <a:t>1/15/2018</a:t>
             </a:fld>
             <a:endParaRPr lang="en-US"/>
           </a:p>
@@ -3193,7 +3193,7 @@
           <a:p>
             <a:fld id="{C093B9F9-3668-4248-BC3B-A7F41B8EEB64}" type="datetimeFigureOut">
               <a:rPr lang="en-US" smtClean="0"/>
-              <a:t>1/8/2018</a:t>
+              <a:t>1/15/2018</a:t>
             </a:fld>
             <a:endParaRPr lang="en-US"/>
           </a:p>
@@ -3371,7 +3371,7 @@
           <a:p>
             <a:fld id="{C093B9F9-3668-4248-BC3B-A7F41B8EEB64}" type="datetimeFigureOut">
               <a:rPr lang="en-US" smtClean="0"/>
-              <a:t>1/8/2018</a:t>
+              <a:t>1/15/2018</a:t>
             </a:fld>
             <a:endParaRPr lang="en-US"/>
           </a:p>
@@ -5740,7 +5740,7 @@
           <a:p>
             <a:fld id="{C093B9F9-3668-4248-BC3B-A7F41B8EEB64}" type="datetimeFigureOut">
               <a:rPr lang="en-US" smtClean="0"/>
-              <a:t>1/8/2018</a:t>
+              <a:t>1/15/2018</a:t>
             </a:fld>
             <a:endParaRPr lang="en-US"/>
           </a:p>
@@ -5908,7 +5908,7 @@
           <a:p>
             <a:fld id="{C093B9F9-3668-4248-BC3B-A7F41B8EEB64}" type="datetimeFigureOut">
               <a:rPr lang="en-US" smtClean="0"/>
-              <a:t>1/8/2018</a:t>
+              <a:t>1/15/2018</a:t>
             </a:fld>
             <a:endParaRPr lang="en-US"/>
           </a:p>
@@ -6153,7 +6153,7 @@
           <a:p>
             <a:fld id="{C093B9F9-3668-4248-BC3B-A7F41B8EEB64}" type="datetimeFigureOut">
               <a:rPr lang="en-US" smtClean="0"/>
-              <a:t>1/8/2018</a:t>
+              <a:t>1/15/2018</a:t>
             </a:fld>
             <a:endParaRPr lang="en-US"/>
           </a:p>
@@ -6382,7 +6382,7 @@
           <a:p>
             <a:fld id="{C093B9F9-3668-4248-BC3B-A7F41B8EEB64}" type="datetimeFigureOut">
               <a:rPr lang="en-US" smtClean="0"/>
-              <a:t>1/8/2018</a:t>
+              <a:t>1/15/2018</a:t>
             </a:fld>
             <a:endParaRPr lang="en-US"/>
           </a:p>
@@ -6746,7 +6746,7 @@
           <a:p>
             <a:fld id="{C093B9F9-3668-4248-BC3B-A7F41B8EEB64}" type="datetimeFigureOut">
               <a:rPr lang="en-US" smtClean="0"/>
-              <a:t>1/8/2018</a:t>
+              <a:t>1/15/2018</a:t>
             </a:fld>
             <a:endParaRPr lang="en-US"/>
           </a:p>
@@ -6863,7 +6863,7 @@
           <a:p>
             <a:fld id="{C093B9F9-3668-4248-BC3B-A7F41B8EEB64}" type="datetimeFigureOut">
               <a:rPr lang="en-US" smtClean="0"/>
-              <a:t>1/8/2018</a:t>
+              <a:t>1/15/2018</a:t>
             </a:fld>
             <a:endParaRPr lang="en-US"/>
           </a:p>
@@ -6958,7 +6958,7 @@
           <a:p>
             <a:fld id="{C093B9F9-3668-4248-BC3B-A7F41B8EEB64}" type="datetimeFigureOut">
               <a:rPr lang="en-US" smtClean="0"/>
-              <a:t>1/8/2018</a:t>
+              <a:t>1/15/2018</a:t>
             </a:fld>
             <a:endParaRPr lang="en-US"/>
           </a:p>
@@ -7233,7 +7233,7 @@
           <a:p>
             <a:fld id="{C093B9F9-3668-4248-BC3B-A7F41B8EEB64}" type="datetimeFigureOut">
               <a:rPr lang="en-US" smtClean="0"/>
-              <a:t>1/8/2018</a:t>
+              <a:t>1/15/2018</a:t>
             </a:fld>
             <a:endParaRPr lang="en-US"/>
           </a:p>
@@ -7485,7 +7485,7 @@
           <a:p>
             <a:fld id="{C093B9F9-3668-4248-BC3B-A7F41B8EEB64}" type="datetimeFigureOut">
               <a:rPr lang="en-US" smtClean="0"/>
-              <a:t>1/8/2018</a:t>
+              <a:t>1/15/2018</a:t>
             </a:fld>
             <a:endParaRPr lang="en-US"/>
           </a:p>
@@ -7696,7 +7696,7 @@
           <a:p>
             <a:fld id="{C093B9F9-3668-4248-BC3B-A7F41B8EEB64}" type="datetimeFigureOut">
               <a:rPr lang="en-US" smtClean="0"/>
-              <a:t>1/8/2018</a:t>
+              <a:t>1/15/2018</a:t>
             </a:fld>
             <a:endParaRPr lang="en-US"/>
           </a:p>
@@ -8285,7 +8285,7 @@
                 <a:tabLst/>
                 <a:defRPr/>
               </a:pPr>
-              <a:t>1/8/2018</a:t>
+              <a:t>1/15/2018</a:t>
             </a:fld>
             <a:endParaRPr kumimoji="0" lang="en-US" sz="1200" b="0" i="0" u="none" strike="noStrike" kern="1200" cap="none" spc="0" normalizeH="0" baseline="0" noProof="0" dirty="0">
               <a:ln>
@@ -10528,7 +10528,7 @@
 </file>
 
 <file path=ppt/slides/slide14.xml><?xml version="1.0" encoding="utf-8"?>
-<p:sld xmlns:a="http://schemas.openxmlformats.org/drawingml/2006/main" xmlns:r="http://schemas.openxmlformats.org/officeDocument/2006/relationships" xmlns:p="http://schemas.openxmlformats.org/presentationml/2006/main">
+<p:sld xmlns:a="http://schemas.openxmlformats.org/drawingml/2006/main" xmlns:r="http://schemas.openxmlformats.org/officeDocument/2006/relationships" xmlns:p="http://schemas.openxmlformats.org/presentationml/2006/main" show="0">
   <p:cSld>
     <p:spTree>
       <p:nvGrpSpPr>
@@ -10860,7 +10860,7 @@
         </p:nvGraphicFramePr>
         <p:xfrm>
           <a:off x="63420" y="1100661"/>
-          <a:ext cx="5894831" cy="4905240"/>
+          <a:ext cx="5894831" cy="4877046"/>
         </p:xfrm>
         <a:graphic>
           <a:graphicData uri="http://schemas.openxmlformats.org/drawingml/2006/table">
@@ -12199,7 +12199,7 @@
         </p:nvGraphicFramePr>
         <p:xfrm>
           <a:off x="5958251" y="1100661"/>
-          <a:ext cx="6267725" cy="4592686"/>
+          <a:ext cx="6267725" cy="4520440"/>
         </p:xfrm>
         <a:graphic>
           <a:graphicData uri="http://schemas.openxmlformats.org/drawingml/2006/table">
